--- a/dokumentacija/PROINZ_TG16.01_restoraniZEGE.pptx
+++ b/dokumentacija/PROINZ_TG16.01_restoraniZEGE.pptx
@@ -6,7 +6,7 @@
     <p:sldMasterId id="2147483696" r:id="rId2"/>
   </p:sldMasterIdLst>
   <p:notesMasterIdLst>
-    <p:notesMasterId r:id="rId12"/>
+    <p:notesMasterId r:id="rId17"/>
   </p:notesMasterIdLst>
   <p:sldIdLst>
     <p:sldId id="265" r:id="rId3"/>
@@ -17,7 +17,12 @@
     <p:sldId id="276" r:id="rId8"/>
     <p:sldId id="260" r:id="rId9"/>
     <p:sldId id="278" r:id="rId10"/>
-    <p:sldId id="277" r:id="rId11"/>
+    <p:sldId id="279" r:id="rId11"/>
+    <p:sldId id="280" r:id="rId12"/>
+    <p:sldId id="281" r:id="rId13"/>
+    <p:sldId id="277" r:id="rId14"/>
+    <p:sldId id="282" r:id="rId15"/>
+    <p:sldId id="283" r:id="rId16"/>
   </p:sldIdLst>
   <p:sldSz cx="9144000" cy="6858000" type="screen4x3"/>
   <p:notesSz cx="6858000" cy="9144000"/>
@@ -206,7 +211,7 @@
           <a:p>
             <a:fld id="{A57596D4-CB16-4BAD-83F6-7E8077D61F81}" type="datetimeFigureOut">
               <a:rPr lang="hr-HR" smtClean="0"/>
-              <a:t>23.10.2025.</a:t>
+              <a:t>21.1.2026.</a:t>
             </a:fld>
             <a:endParaRPr lang="hr-HR"/>
           </a:p>
@@ -724,6 +729,474 @@
     <p:extLst>
       <p:ext uri="{BB962C8B-B14F-4D97-AF65-F5344CB8AC3E}">
         <p14:creationId xmlns:p14="http://schemas.microsoft.com/office/powerpoint/2010/main" val="45108897"/>
+      </p:ext>
+    </p:extLst>
+  </p:cSld>
+  <p:clrMapOvr>
+    <a:masterClrMapping/>
+  </p:clrMapOvr>
+</p:notes>
+</file>
+
+<file path=ppt/notesSlides/notesSlide4.xml><?xml version="1.0" encoding="utf-8"?>
+<p:notes xmlns:a="http://schemas.openxmlformats.org/drawingml/2006/main" xmlns:r="http://schemas.openxmlformats.org/officeDocument/2006/relationships" xmlns:p="http://schemas.openxmlformats.org/presentationml/2006/main">
+  <p:cSld>
+    <p:spTree>
+      <p:nvGrpSpPr>
+        <p:cNvPr id="1" name=""/>
+        <p:cNvGrpSpPr/>
+        <p:nvPr/>
+      </p:nvGrpSpPr>
+      <p:grpSpPr>
+        <a:xfrm>
+          <a:off x="0" y="0"/>
+          <a:ext cx="0" cy="0"/>
+          <a:chOff x="0" y="0"/>
+          <a:chExt cx="0" cy="0"/>
+        </a:xfrm>
+      </p:grpSpPr>
+      <p:sp>
+        <p:nvSpPr>
+          <p:cNvPr id="2" name="Rezervirano mjesto slike slajda 1"/>
+          <p:cNvSpPr>
+            <a:spLocks noGrp="1" noRot="1" noChangeAspect="1"/>
+          </p:cNvSpPr>
+          <p:nvPr>
+            <p:ph type="sldImg"/>
+          </p:nvPr>
+        </p:nvSpPr>
+        <p:spPr/>
+      </p:sp>
+      <p:sp>
+        <p:nvSpPr>
+          <p:cNvPr id="3" name="Rezervirano mjesto bilježaka 2"/>
+          <p:cNvSpPr>
+            <a:spLocks noGrp="1"/>
+          </p:cNvSpPr>
+          <p:nvPr>
+            <p:ph type="body" idx="1"/>
+          </p:nvPr>
+        </p:nvSpPr>
+        <p:spPr/>
+        <p:txBody>
+          <a:bodyPr/>
+          <a:lstStyle/>
+          <a:p>
+            <a:r>
+              <a:rPr lang="hr-HR" b="0" i="0" dirty="0">
+                <a:solidFill>
+                  <a:srgbClr val="F0F6FC"/>
+                </a:solidFill>
+                <a:effectLst/>
+                <a:latin typeface="-apple-system"/>
+              </a:rPr>
+              <a:t>Sustav je razdvojen u dvije glavne komponente koje odgovaraju </a:t>
+            </a:r>
+            <a:r>
+              <a:rPr lang="hr-HR" b="0" i="0" dirty="0" err="1">
+                <a:solidFill>
+                  <a:srgbClr val="F0F6FC"/>
+                </a:solidFill>
+                <a:effectLst/>
+                <a:latin typeface="-apple-system"/>
+              </a:rPr>
+              <a:t>frontendu</a:t>
+            </a:r>
+            <a:r>
+              <a:rPr lang="hr-HR" b="0" i="0" dirty="0">
+                <a:solidFill>
+                  <a:srgbClr val="F0F6FC"/>
+                </a:solidFill>
+                <a:effectLst/>
+                <a:latin typeface="-apple-system"/>
+              </a:rPr>
+              <a:t> i </a:t>
+            </a:r>
+            <a:r>
+              <a:rPr lang="hr-HR" b="0" i="0" dirty="0" err="1">
+                <a:solidFill>
+                  <a:srgbClr val="F0F6FC"/>
+                </a:solidFill>
+                <a:effectLst/>
+                <a:latin typeface="-apple-system"/>
+              </a:rPr>
+              <a:t>backendu</a:t>
+            </a:r>
+            <a:r>
+              <a:rPr lang="hr-HR" b="0" i="0" dirty="0">
+                <a:solidFill>
+                  <a:srgbClr val="F0F6FC"/>
+                </a:solidFill>
+                <a:effectLst/>
+                <a:latin typeface="-apple-system"/>
+              </a:rPr>
+              <a:t>. Korisnik je u interakciji s </a:t>
+            </a:r>
+            <a:r>
+              <a:rPr lang="hr-HR" b="0" i="0" dirty="0" err="1">
+                <a:solidFill>
+                  <a:srgbClr val="F0F6FC"/>
+                </a:solidFill>
+                <a:effectLst/>
+                <a:latin typeface="-apple-system"/>
+              </a:rPr>
+              <a:t>frontendom</a:t>
+            </a:r>
+            <a:r>
+              <a:rPr lang="hr-HR" b="0" i="0" dirty="0">
+                <a:solidFill>
+                  <a:srgbClr val="F0F6FC"/>
+                </a:solidFill>
+                <a:effectLst/>
+                <a:latin typeface="-apple-system"/>
+              </a:rPr>
+              <a:t> te zatim </a:t>
+            </a:r>
+            <a:r>
+              <a:rPr lang="hr-HR" b="0" i="0" dirty="0" err="1">
+                <a:solidFill>
+                  <a:srgbClr val="F0F6FC"/>
+                </a:solidFill>
+                <a:effectLst/>
+                <a:latin typeface="-apple-system"/>
+              </a:rPr>
+              <a:t>frontend</a:t>
+            </a:r>
+            <a:r>
+              <a:rPr lang="hr-HR" b="0" i="0" dirty="0">
+                <a:solidFill>
+                  <a:srgbClr val="F0F6FC"/>
+                </a:solidFill>
+                <a:effectLst/>
+                <a:latin typeface="-apple-system"/>
+              </a:rPr>
+              <a:t> komunicira s </a:t>
+            </a:r>
+            <a:r>
+              <a:rPr lang="hr-HR" b="0" i="0" dirty="0" err="1">
+                <a:solidFill>
+                  <a:srgbClr val="F0F6FC"/>
+                </a:solidFill>
+                <a:effectLst/>
+                <a:latin typeface="-apple-system"/>
+              </a:rPr>
+              <a:t>backendom</a:t>
+            </a:r>
+            <a:r>
+              <a:rPr lang="hr-HR" b="0" i="0" dirty="0">
+                <a:solidFill>
+                  <a:srgbClr val="F0F6FC"/>
+                </a:solidFill>
+                <a:effectLst/>
+                <a:latin typeface="-apple-system"/>
+              </a:rPr>
+              <a:t> kako bi se ostvarila funkcionalnost sustava. </a:t>
+            </a:r>
+            <a:r>
+              <a:rPr lang="hr-HR" b="0" i="0" dirty="0" err="1">
+                <a:solidFill>
+                  <a:srgbClr val="F0F6FC"/>
+                </a:solidFill>
+                <a:effectLst/>
+                <a:latin typeface="-apple-system"/>
+              </a:rPr>
+              <a:t>Frontend</a:t>
+            </a:r>
+            <a:r>
+              <a:rPr lang="hr-HR" b="0" i="0" dirty="0">
+                <a:solidFill>
+                  <a:srgbClr val="F0F6FC"/>
+                </a:solidFill>
+                <a:effectLst/>
+                <a:latin typeface="-apple-system"/>
+              </a:rPr>
+              <a:t> je izgrađen koristeći REST API, a tako komunicira i s </a:t>
+            </a:r>
+            <a:r>
+              <a:rPr lang="hr-HR" b="0" i="0" dirty="0" err="1">
+                <a:solidFill>
+                  <a:srgbClr val="F0F6FC"/>
+                </a:solidFill>
+                <a:effectLst/>
+                <a:latin typeface="-apple-system"/>
+              </a:rPr>
+              <a:t>backendom</a:t>
+            </a:r>
+            <a:r>
+              <a:rPr lang="hr-HR" b="0" i="0" dirty="0">
+                <a:solidFill>
+                  <a:srgbClr val="F0F6FC"/>
+                </a:solidFill>
+                <a:effectLst/>
+                <a:latin typeface="-apple-system"/>
+              </a:rPr>
+              <a:t> koji je izgrađen koristeći radni okvir </a:t>
+            </a:r>
+            <a:r>
+              <a:rPr lang="hr-HR" b="0" i="0" dirty="0" err="1">
+                <a:solidFill>
+                  <a:srgbClr val="F0F6FC"/>
+                </a:solidFill>
+                <a:effectLst/>
+                <a:latin typeface="-apple-system"/>
+              </a:rPr>
+              <a:t>NestJS</a:t>
+            </a:r>
+            <a:r>
+              <a:rPr lang="hr-HR" b="0" i="0" dirty="0">
+                <a:solidFill>
+                  <a:srgbClr val="F0F6FC"/>
+                </a:solidFill>
+                <a:effectLst/>
+                <a:latin typeface="-apple-system"/>
+              </a:rPr>
+              <a:t>. </a:t>
+            </a:r>
+            <a:r>
+              <a:rPr lang="hr-HR" b="0" i="0" dirty="0" err="1">
+                <a:solidFill>
+                  <a:srgbClr val="F0F6FC"/>
+                </a:solidFill>
+                <a:effectLst/>
+                <a:latin typeface="-apple-system"/>
+              </a:rPr>
+              <a:t>Backend</a:t>
+            </a:r>
+            <a:r>
+              <a:rPr lang="hr-HR" b="0" i="0" dirty="0">
+                <a:solidFill>
+                  <a:srgbClr val="F0F6FC"/>
+                </a:solidFill>
+                <a:effectLst/>
+                <a:latin typeface="-apple-system"/>
+              </a:rPr>
+              <a:t> komunicira s bazom podataka temeljenoj na relacijama.</a:t>
+            </a:r>
+            <a:endParaRPr lang="hr-HR" dirty="0"/>
+          </a:p>
+        </p:txBody>
+      </p:sp>
+      <p:sp>
+        <p:nvSpPr>
+          <p:cNvPr id="4" name="Rezervirano mjesto broja slajda 3"/>
+          <p:cNvSpPr>
+            <a:spLocks noGrp="1"/>
+          </p:cNvSpPr>
+          <p:nvPr>
+            <p:ph type="sldNum" sz="quarter" idx="5"/>
+          </p:nvPr>
+        </p:nvSpPr>
+        <p:spPr/>
+        <p:txBody>
+          <a:bodyPr/>
+          <a:lstStyle/>
+          <a:p>
+            <a:fld id="{6945738E-9CB8-443D-AC33-32367D542132}" type="slidenum">
+              <a:rPr lang="hr-HR" smtClean="0"/>
+              <a:t>10</a:t>
+            </a:fld>
+            <a:endParaRPr lang="hr-HR"/>
+          </a:p>
+        </p:txBody>
+      </p:sp>
+    </p:spTree>
+    <p:extLst>
+      <p:ext uri="{BB962C8B-B14F-4D97-AF65-F5344CB8AC3E}">
+        <p14:creationId xmlns:p14="http://schemas.microsoft.com/office/powerpoint/2010/main" val="2440819835"/>
+      </p:ext>
+    </p:extLst>
+  </p:cSld>
+  <p:clrMapOvr>
+    <a:masterClrMapping/>
+  </p:clrMapOvr>
+</p:notes>
+</file>
+
+<file path=ppt/notesSlides/notesSlide5.xml><?xml version="1.0" encoding="utf-8"?>
+<p:notes xmlns:a="http://schemas.openxmlformats.org/drawingml/2006/main" xmlns:r="http://schemas.openxmlformats.org/officeDocument/2006/relationships" xmlns:p="http://schemas.openxmlformats.org/presentationml/2006/main">
+  <p:cSld>
+    <p:spTree>
+      <p:nvGrpSpPr>
+        <p:cNvPr id="1" name=""/>
+        <p:cNvGrpSpPr/>
+        <p:nvPr/>
+      </p:nvGrpSpPr>
+      <p:grpSpPr>
+        <a:xfrm>
+          <a:off x="0" y="0"/>
+          <a:ext cx="0" cy="0"/>
+          <a:chOff x="0" y="0"/>
+          <a:chExt cx="0" cy="0"/>
+        </a:xfrm>
+      </p:grpSpPr>
+      <p:sp>
+        <p:nvSpPr>
+          <p:cNvPr id="2" name="Rezervirano mjesto slike slajda 1"/>
+          <p:cNvSpPr>
+            <a:spLocks noGrp="1" noRot="1" noChangeAspect="1"/>
+          </p:cNvSpPr>
+          <p:nvPr>
+            <p:ph type="sldImg"/>
+          </p:nvPr>
+        </p:nvSpPr>
+        <p:spPr/>
+      </p:sp>
+      <p:sp>
+        <p:nvSpPr>
+          <p:cNvPr id="3" name="Rezervirano mjesto bilježaka 2"/>
+          <p:cNvSpPr>
+            <a:spLocks noGrp="1"/>
+          </p:cNvSpPr>
+          <p:nvPr>
+            <p:ph type="body" idx="1"/>
+          </p:nvPr>
+        </p:nvSpPr>
+        <p:spPr/>
+        <p:txBody>
+          <a:bodyPr/>
+          <a:lstStyle/>
+          <a:p>
+            <a:r>
+              <a:rPr lang="hr-HR" b="0" i="0" dirty="0">
+                <a:solidFill>
+                  <a:srgbClr val="F0F6FC"/>
+                </a:solidFill>
+                <a:effectLst/>
+                <a:latin typeface="-apple-system"/>
+              </a:rPr>
+              <a:t>Sustav je web aplikacija koja se koristi putem web preglednika, pri čemu se </a:t>
+            </a:r>
+            <a:r>
+              <a:rPr lang="hr-HR" b="0" i="0" dirty="0" err="1">
+                <a:solidFill>
+                  <a:srgbClr val="F0F6FC"/>
+                </a:solidFill>
+                <a:effectLst/>
+                <a:latin typeface="-apple-system"/>
+              </a:rPr>
+              <a:t>React</a:t>
+            </a:r>
+            <a:r>
+              <a:rPr lang="hr-HR" b="0" i="0" dirty="0">
+                <a:solidFill>
+                  <a:srgbClr val="F0F6FC"/>
+                </a:solidFill>
+                <a:effectLst/>
+                <a:latin typeface="-apple-system"/>
+              </a:rPr>
+              <a:t> </a:t>
+            </a:r>
+            <a:r>
+              <a:rPr lang="hr-HR" b="0" i="0" dirty="0" err="1">
+                <a:solidFill>
+                  <a:srgbClr val="F0F6FC"/>
+                </a:solidFill>
+                <a:effectLst/>
+                <a:latin typeface="-apple-system"/>
+              </a:rPr>
+              <a:t>frontend</a:t>
+            </a:r>
+            <a:r>
+              <a:rPr lang="hr-HR" b="0" i="0" dirty="0">
+                <a:solidFill>
+                  <a:srgbClr val="F0F6FC"/>
+                </a:solidFill>
+                <a:effectLst/>
+                <a:latin typeface="-apple-system"/>
+              </a:rPr>
+              <a:t> i </a:t>
+            </a:r>
+            <a:r>
+              <a:rPr lang="hr-HR" b="0" i="0" dirty="0" err="1">
+                <a:solidFill>
+                  <a:srgbClr val="F0F6FC"/>
+                </a:solidFill>
+                <a:effectLst/>
+                <a:latin typeface="-apple-system"/>
+              </a:rPr>
+              <a:t>NestJS</a:t>
+            </a:r>
+            <a:r>
+              <a:rPr lang="hr-HR" b="0" i="0" dirty="0">
+                <a:solidFill>
+                  <a:srgbClr val="F0F6FC"/>
+                </a:solidFill>
+                <a:effectLst/>
+                <a:latin typeface="-apple-system"/>
+              </a:rPr>
+              <a:t> </a:t>
+            </a:r>
+            <a:r>
+              <a:rPr lang="hr-HR" b="0" i="0" dirty="0" err="1">
+                <a:solidFill>
+                  <a:srgbClr val="F0F6FC"/>
+                </a:solidFill>
+                <a:effectLst/>
+                <a:latin typeface="-apple-system"/>
+              </a:rPr>
+              <a:t>backend</a:t>
+            </a:r>
+            <a:r>
+              <a:rPr lang="hr-HR" b="0" i="0" dirty="0">
+                <a:solidFill>
+                  <a:srgbClr val="F0F6FC"/>
+                </a:solidFill>
+                <a:effectLst/>
+                <a:latin typeface="-apple-system"/>
+              </a:rPr>
+              <a:t> izvršavaju u zasebnim kontejnerima unutar cloud platforme, dok se podaci pohranjuju u </a:t>
+            </a:r>
+            <a:r>
+              <a:rPr lang="hr-HR" b="0" i="0" dirty="0" err="1">
+                <a:solidFill>
+                  <a:srgbClr val="F0F6FC"/>
+                </a:solidFill>
+                <a:effectLst/>
+                <a:latin typeface="-apple-system"/>
+              </a:rPr>
+              <a:t>PostgreSQL</a:t>
+            </a:r>
+            <a:r>
+              <a:rPr lang="hr-HR" b="0" i="0" dirty="0">
+                <a:solidFill>
+                  <a:srgbClr val="F0F6FC"/>
+                </a:solidFill>
+                <a:effectLst/>
+                <a:latin typeface="-apple-system"/>
+              </a:rPr>
+              <a:t> bazu podataka, a komunikacija između klijenta i poslužitelja odvija se putem HTTPS protokola.</a:t>
+            </a:r>
+            <a:endParaRPr lang="hr-HR" dirty="0"/>
+          </a:p>
+        </p:txBody>
+      </p:sp>
+      <p:sp>
+        <p:nvSpPr>
+          <p:cNvPr id="4" name="Rezervirano mjesto broja slajda 3"/>
+          <p:cNvSpPr>
+            <a:spLocks noGrp="1"/>
+          </p:cNvSpPr>
+          <p:nvPr>
+            <p:ph type="sldNum" sz="quarter" idx="5"/>
+          </p:nvPr>
+        </p:nvSpPr>
+        <p:spPr/>
+        <p:txBody>
+          <a:bodyPr/>
+          <a:lstStyle/>
+          <a:p>
+            <a:fld id="{6945738E-9CB8-443D-AC33-32367D542132}" type="slidenum">
+              <a:rPr lang="hr-HR" smtClean="0"/>
+              <a:t>11</a:t>
+            </a:fld>
+            <a:endParaRPr lang="hr-HR"/>
+          </a:p>
+        </p:txBody>
+      </p:sp>
+    </p:spTree>
+    <p:extLst>
+      <p:ext uri="{BB962C8B-B14F-4D97-AF65-F5344CB8AC3E}">
+        <p14:creationId xmlns:p14="http://schemas.microsoft.com/office/powerpoint/2010/main" val="526146794"/>
       </p:ext>
     </p:extLst>
   </p:cSld>
@@ -2719,7 +3192,7 @@
           <a:p>
             <a:fld id="{E46E8F5E-7C26-4DBA-9CDF-6E3092DFB447}" type="datetime1">
               <a:rPr lang="hr-HR" smtClean="0"/>
-              <a:t>23.10.2025.</a:t>
+              <a:t>21.1.2026.</a:t>
             </a:fld>
             <a:endParaRPr lang="hr-HR" dirty="0"/>
           </a:p>
@@ -3338,7 +3811,7 @@
           <a:p>
             <a:fld id="{E46E8F5E-7C26-4DBA-9CDF-6E3092DFB447}" type="datetime1">
               <a:rPr lang="hr-HR" smtClean="0"/>
-              <a:t>23.10.2025.</a:t>
+              <a:t>21.1.2026.</a:t>
             </a:fld>
             <a:endParaRPr lang="hr-HR" dirty="0"/>
           </a:p>
@@ -3631,7 +4104,7 @@
           <a:p>
             <a:fld id="{E46E8F5E-7C26-4DBA-9CDF-6E3092DFB447}" type="datetime1">
               <a:rPr lang="hr-HR" smtClean="0"/>
-              <a:t>23.10.2025.</a:t>
+              <a:t>21.1.2026.</a:t>
             </a:fld>
             <a:endParaRPr lang="hr-HR" dirty="0"/>
           </a:p>
@@ -3823,7 +4296,7 @@
           <a:p>
             <a:fld id="{E46E8F5E-7C26-4DBA-9CDF-6E3092DFB447}" type="datetime1">
               <a:rPr lang="hr-HR" smtClean="0"/>
-              <a:t>23.10.2025.</a:t>
+              <a:t>21.1.2026.</a:t>
             </a:fld>
             <a:endParaRPr lang="hr-HR" dirty="0"/>
           </a:p>
@@ -4186,7 +4659,7 @@
           <a:p>
             <a:fld id="{E46E8F5E-7C26-4DBA-9CDF-6E3092DFB447}" type="datetime1">
               <a:rPr lang="hr-HR" smtClean="0"/>
-              <a:t>23.10.2025.</a:t>
+              <a:t>21.1.2026.</a:t>
             </a:fld>
             <a:endParaRPr lang="hr-HR" dirty="0"/>
           </a:p>
@@ -5154,7 +5627,7 @@
           <a:p>
             <a:fld id="{E46E8F5E-7C26-4DBA-9CDF-6E3092DFB447}" type="datetime1">
               <a:rPr lang="hr-HR" smtClean="0"/>
-              <a:t>23.10.2025.</a:t>
+              <a:t>21.1.2026.</a:t>
             </a:fld>
             <a:endParaRPr lang="hr-HR" dirty="0"/>
           </a:p>
@@ -7134,7 +7607,7 @@
           <a:p>
             <a:fld id="{E46E8F5E-7C26-4DBA-9CDF-6E3092DFB447}" type="datetime1">
               <a:rPr lang="hr-HR" smtClean="0"/>
-              <a:t>23.10.2025.</a:t>
+              <a:t>21.1.2026.</a:t>
             </a:fld>
             <a:endParaRPr lang="hr-HR" dirty="0"/>
           </a:p>
@@ -9523,7 +9996,7 @@
           <a:p>
             <a:fld id="{E46E8F5E-7C26-4DBA-9CDF-6E3092DFB447}" type="datetime1">
               <a:rPr lang="hr-HR" smtClean="0"/>
-              <a:t>23.10.2025.</a:t>
+              <a:t>21.1.2026.</a:t>
             </a:fld>
             <a:endParaRPr lang="hr-HR" dirty="0"/>
           </a:p>
@@ -9868,7 +10341,7 @@
           <a:p>
             <a:fld id="{E46E8F5E-7C26-4DBA-9CDF-6E3092DFB447}" type="datetime1">
               <a:rPr lang="hr-HR" smtClean="0"/>
-              <a:t>23.10.2025.</a:t>
+              <a:t>21.1.2026.</a:t>
             </a:fld>
             <a:endParaRPr lang="hr-HR" dirty="0"/>
           </a:p>
@@ -10325,7 +10798,7 @@
           <a:p>
             <a:fld id="{E46E8F5E-7C26-4DBA-9CDF-6E3092DFB447}" type="datetime1">
               <a:rPr lang="hr-HR" smtClean="0"/>
-              <a:t>23.10.2025.</a:t>
+              <a:t>21.1.2026.</a:t>
             </a:fld>
             <a:endParaRPr lang="hr-HR" dirty="0"/>
           </a:p>
@@ -10953,7 +11426,7 @@
           <a:p>
             <a:fld id="{E46E8F5E-7C26-4DBA-9CDF-6E3092DFB447}" type="datetime1">
               <a:rPr lang="hr-HR" smtClean="0"/>
-              <a:t>23.10.2025.</a:t>
+              <a:t>21.1.2026.</a:t>
             </a:fld>
             <a:endParaRPr lang="hr-HR" dirty="0"/>
           </a:p>
@@ -11839,6 +12312,1302 @@
 </p:sld>
 </file>
 
+<file path=ppt/slides/slide10.xml><?xml version="1.0" encoding="utf-8"?>
+<p:sld xmlns:a="http://schemas.openxmlformats.org/drawingml/2006/main" xmlns:r="http://schemas.openxmlformats.org/officeDocument/2006/relationships" xmlns:p="http://schemas.openxmlformats.org/presentationml/2006/main">
+  <p:cSld>
+    <p:spTree>
+      <p:nvGrpSpPr>
+        <p:cNvPr id="1" name=""/>
+        <p:cNvGrpSpPr/>
+        <p:nvPr/>
+      </p:nvGrpSpPr>
+      <p:grpSpPr>
+        <a:xfrm>
+          <a:off x="0" y="0"/>
+          <a:ext cx="0" cy="0"/>
+          <a:chOff x="0" y="0"/>
+          <a:chExt cx="0" cy="0"/>
+        </a:xfrm>
+      </p:grpSpPr>
+      <p:sp>
+        <p:nvSpPr>
+          <p:cNvPr id="2" name="Naslov 1">
+            <a:extLst>
+              <a:ext uri="{FF2B5EF4-FFF2-40B4-BE49-F238E27FC236}">
+                <a16:creationId xmlns:a16="http://schemas.microsoft.com/office/drawing/2014/main" id="{615A6F06-F7C9-B688-DF8B-D13086177A36}"/>
+              </a:ext>
+            </a:extLst>
+          </p:cNvPr>
+          <p:cNvSpPr>
+            <a:spLocks noGrp="1"/>
+          </p:cNvSpPr>
+          <p:nvPr>
+            <p:ph type="title"/>
+          </p:nvPr>
+        </p:nvSpPr>
+        <p:spPr/>
+        <p:txBody>
+          <a:bodyPr>
+            <a:normAutofit fontScale="90000"/>
+          </a:bodyPr>
+          <a:lstStyle/>
+          <a:p>
+            <a:r>
+              <a:rPr lang="hr-HR" dirty="0"/>
+              <a:t>ARHITEKTURA SUSTAVA – DIJAGRAM KOMPONENTA</a:t>
+            </a:r>
+          </a:p>
+        </p:txBody>
+      </p:sp>
+      <p:sp>
+        <p:nvSpPr>
+          <p:cNvPr id="4" name="Rezervirano mjesto broja slajda 3">
+            <a:extLst>
+              <a:ext uri="{FF2B5EF4-FFF2-40B4-BE49-F238E27FC236}">
+                <a16:creationId xmlns:a16="http://schemas.microsoft.com/office/drawing/2014/main" id="{CC884BE8-2606-F657-D6E4-8342166ADC19}"/>
+              </a:ext>
+            </a:extLst>
+          </p:cNvPr>
+          <p:cNvSpPr>
+            <a:spLocks noGrp="1"/>
+          </p:cNvSpPr>
+          <p:nvPr>
+            <p:ph type="sldNum" sz="quarter" idx="12"/>
+          </p:nvPr>
+        </p:nvSpPr>
+        <p:spPr/>
+        <p:txBody>
+          <a:bodyPr/>
+          <a:lstStyle/>
+          <a:p>
+            <a:fld id="{FAA41844-C0CA-4144-9D6C-D993F0C0FAB4}" type="slidenum">
+              <a:rPr lang="hr-HR" smtClean="0"/>
+              <a:t>10</a:t>
+            </a:fld>
+            <a:endParaRPr lang="hr-HR"/>
+          </a:p>
+        </p:txBody>
+      </p:sp>
+      <p:pic>
+        <p:nvPicPr>
+          <p:cNvPr id="1026" name="Picture 2" descr="image">
+            <a:extLst>
+              <a:ext uri="{FF2B5EF4-FFF2-40B4-BE49-F238E27FC236}">
+                <a16:creationId xmlns:a16="http://schemas.microsoft.com/office/drawing/2014/main" id="{57EEDED4-E737-8A28-F569-AAE1729602ED}"/>
+              </a:ext>
+            </a:extLst>
+          </p:cNvPr>
+          <p:cNvPicPr>
+            <a:picLocks noChangeAspect="1" noChangeArrowheads="1"/>
+          </p:cNvPicPr>
+          <p:nvPr/>
+        </p:nvPicPr>
+        <p:blipFill>
+          <a:blip r:embed="rId3">
+            <a:extLst>
+              <a:ext uri="{28A0092B-C50C-407E-A947-70E740481C1C}">
+                <a14:useLocalDpi xmlns:a14="http://schemas.microsoft.com/office/drawing/2010/main" val="0"/>
+              </a:ext>
+            </a:extLst>
+          </a:blip>
+          <a:srcRect/>
+          <a:stretch>
+            <a:fillRect/>
+          </a:stretch>
+        </p:blipFill>
+        <p:spPr bwMode="auto">
+          <a:xfrm>
+            <a:off x="0" y="802575"/>
+            <a:ext cx="9144000" cy="5986463"/>
+          </a:xfrm>
+          <a:prstGeom prst="rect">
+            <a:avLst/>
+          </a:prstGeom>
+          <a:noFill/>
+          <a:extLst>
+            <a:ext uri="{909E8E84-426E-40DD-AFC4-6F175D3DCCD1}">
+              <a14:hiddenFill xmlns:a14="http://schemas.microsoft.com/office/drawing/2010/main">
+                <a:solidFill>
+                  <a:srgbClr val="FFFFFF"/>
+                </a:solidFill>
+              </a14:hiddenFill>
+            </a:ext>
+          </a:extLst>
+        </p:spPr>
+      </p:pic>
+    </p:spTree>
+    <p:extLst>
+      <p:ext uri="{BB962C8B-B14F-4D97-AF65-F5344CB8AC3E}">
+        <p14:creationId xmlns:p14="http://schemas.microsoft.com/office/powerpoint/2010/main" val="2924654195"/>
+      </p:ext>
+    </p:extLst>
+  </p:cSld>
+  <p:clrMapOvr>
+    <a:masterClrMapping/>
+  </p:clrMapOvr>
+</p:sld>
+</file>
+
+<file path=ppt/slides/slide11.xml><?xml version="1.0" encoding="utf-8"?>
+<p:sld xmlns:a="http://schemas.openxmlformats.org/drawingml/2006/main" xmlns:r="http://schemas.openxmlformats.org/officeDocument/2006/relationships" xmlns:p="http://schemas.openxmlformats.org/presentationml/2006/main">
+  <p:cSld>
+    <p:spTree>
+      <p:nvGrpSpPr>
+        <p:cNvPr id="1" name=""/>
+        <p:cNvGrpSpPr/>
+        <p:nvPr/>
+      </p:nvGrpSpPr>
+      <p:grpSpPr>
+        <a:xfrm>
+          <a:off x="0" y="0"/>
+          <a:ext cx="0" cy="0"/>
+          <a:chOff x="0" y="0"/>
+          <a:chExt cx="0" cy="0"/>
+        </a:xfrm>
+      </p:grpSpPr>
+      <p:sp>
+        <p:nvSpPr>
+          <p:cNvPr id="2" name="Naslov 1">
+            <a:extLst>
+              <a:ext uri="{FF2B5EF4-FFF2-40B4-BE49-F238E27FC236}">
+                <a16:creationId xmlns:a16="http://schemas.microsoft.com/office/drawing/2014/main" id="{A159ECC7-AF6A-9DBD-5AA8-B6647D3CDF26}"/>
+              </a:ext>
+            </a:extLst>
+          </p:cNvPr>
+          <p:cNvSpPr>
+            <a:spLocks noGrp="1"/>
+          </p:cNvSpPr>
+          <p:nvPr>
+            <p:ph type="title"/>
+          </p:nvPr>
+        </p:nvSpPr>
+        <p:spPr/>
+        <p:txBody>
+          <a:bodyPr>
+            <a:normAutofit fontScale="90000"/>
+          </a:bodyPr>
+          <a:lstStyle/>
+          <a:p>
+            <a:r>
+              <a:rPr lang="hr-HR" dirty="0"/>
+              <a:t>ARHITEKTURA SUSTAVA – DIJAGRAM </a:t>
+            </a:r>
+            <a:r>
+              <a:rPr lang="hr-HR" dirty="0" err="1"/>
+              <a:t>RAZmještaja</a:t>
+            </a:r>
+            <a:endParaRPr lang="hr-HR" dirty="0"/>
+          </a:p>
+        </p:txBody>
+      </p:sp>
+      <p:sp>
+        <p:nvSpPr>
+          <p:cNvPr id="3" name="Rezervirano mjesto broja slajda 2">
+            <a:extLst>
+              <a:ext uri="{FF2B5EF4-FFF2-40B4-BE49-F238E27FC236}">
+                <a16:creationId xmlns:a16="http://schemas.microsoft.com/office/drawing/2014/main" id="{023B599A-79D4-BE31-D12B-20ED4C8D263E}"/>
+              </a:ext>
+            </a:extLst>
+          </p:cNvPr>
+          <p:cNvSpPr>
+            <a:spLocks noGrp="1"/>
+          </p:cNvSpPr>
+          <p:nvPr>
+            <p:ph type="sldNum" sz="quarter" idx="12"/>
+          </p:nvPr>
+        </p:nvSpPr>
+        <p:spPr/>
+        <p:txBody>
+          <a:bodyPr/>
+          <a:lstStyle/>
+          <a:p>
+            <a:fld id="{FAA41844-C0CA-4144-9D6C-D993F0C0FAB4}" type="slidenum">
+              <a:rPr lang="hr-HR" smtClean="0"/>
+              <a:t>11</a:t>
+            </a:fld>
+            <a:endParaRPr lang="hr-HR"/>
+          </a:p>
+        </p:txBody>
+      </p:sp>
+      <p:pic>
+        <p:nvPicPr>
+          <p:cNvPr id="2050" name="Picture 2" descr="image">
+            <a:extLst>
+              <a:ext uri="{FF2B5EF4-FFF2-40B4-BE49-F238E27FC236}">
+                <a16:creationId xmlns:a16="http://schemas.microsoft.com/office/drawing/2014/main" id="{F46596EC-599F-8726-1F93-6D65C4259CE7}"/>
+              </a:ext>
+            </a:extLst>
+          </p:cNvPr>
+          <p:cNvPicPr>
+            <a:picLocks noChangeAspect="1" noChangeArrowheads="1"/>
+          </p:cNvPicPr>
+          <p:nvPr/>
+        </p:nvPicPr>
+        <p:blipFill>
+          <a:blip r:embed="rId3">
+            <a:extLst>
+              <a:ext uri="{28A0092B-C50C-407E-A947-70E740481C1C}">
+                <a14:useLocalDpi xmlns:a14="http://schemas.microsoft.com/office/drawing/2010/main" val="0"/>
+              </a:ext>
+            </a:extLst>
+          </a:blip>
+          <a:srcRect/>
+          <a:stretch>
+            <a:fillRect/>
+          </a:stretch>
+        </p:blipFill>
+        <p:spPr bwMode="auto">
+          <a:xfrm>
+            <a:off x="210147" y="758978"/>
+            <a:ext cx="8723706" cy="6099022"/>
+          </a:xfrm>
+          <a:prstGeom prst="rect">
+            <a:avLst/>
+          </a:prstGeom>
+          <a:noFill/>
+          <a:extLst>
+            <a:ext uri="{909E8E84-426E-40DD-AFC4-6F175D3DCCD1}">
+              <a14:hiddenFill xmlns:a14="http://schemas.microsoft.com/office/drawing/2010/main">
+                <a:solidFill>
+                  <a:srgbClr val="FFFFFF"/>
+                </a:solidFill>
+              </a14:hiddenFill>
+            </a:ext>
+          </a:extLst>
+        </p:spPr>
+      </p:pic>
+    </p:spTree>
+    <p:extLst>
+      <p:ext uri="{BB962C8B-B14F-4D97-AF65-F5344CB8AC3E}">
+        <p14:creationId xmlns:p14="http://schemas.microsoft.com/office/powerpoint/2010/main" val="1363486244"/>
+      </p:ext>
+    </p:extLst>
+  </p:cSld>
+  <p:clrMapOvr>
+    <a:masterClrMapping/>
+  </p:clrMapOvr>
+</p:sld>
+</file>
+
+<file path=ppt/slides/slide12.xml><?xml version="1.0" encoding="utf-8"?>
+<p:sld xmlns:a="http://schemas.openxmlformats.org/drawingml/2006/main" xmlns:r="http://schemas.openxmlformats.org/officeDocument/2006/relationships" xmlns:p="http://schemas.openxmlformats.org/presentationml/2006/main">
+  <p:cSld>
+    <p:spTree>
+      <p:nvGrpSpPr>
+        <p:cNvPr id="1" name="">
+          <a:extLst>
+            <a:ext uri="{FF2B5EF4-FFF2-40B4-BE49-F238E27FC236}">
+              <a16:creationId xmlns:a16="http://schemas.microsoft.com/office/drawing/2014/main" id="{B582941A-61E9-E30F-0555-0A47734CAE98}"/>
+            </a:ext>
+          </a:extLst>
+        </p:cNvPr>
+        <p:cNvGrpSpPr/>
+        <p:nvPr/>
+      </p:nvGrpSpPr>
+      <p:grpSpPr>
+        <a:xfrm>
+          <a:off x="0" y="0"/>
+          <a:ext cx="0" cy="0"/>
+          <a:chOff x="0" y="0"/>
+          <a:chExt cx="0" cy="0"/>
+        </a:xfrm>
+      </p:grpSpPr>
+      <p:sp>
+        <p:nvSpPr>
+          <p:cNvPr id="2" name="Title 1">
+            <a:extLst>
+              <a:ext uri="{FF2B5EF4-FFF2-40B4-BE49-F238E27FC236}">
+                <a16:creationId xmlns:a16="http://schemas.microsoft.com/office/drawing/2014/main" id="{6AFDEFAD-46A7-BC0F-8306-2A73F658AC8C}"/>
+              </a:ext>
+            </a:extLst>
+          </p:cNvPr>
+          <p:cNvSpPr>
+            <a:spLocks noGrp="1"/>
+          </p:cNvSpPr>
+          <p:nvPr>
+            <p:ph type="title"/>
+          </p:nvPr>
+        </p:nvSpPr>
+        <p:spPr/>
+        <p:txBody>
+          <a:bodyPr/>
+          <a:lstStyle/>
+          <a:p>
+            <a:r>
+              <a:rPr lang="hr-HR" noProof="0" dirty="0"/>
+              <a:t>Korišteni alati i tehnologije</a:t>
+            </a:r>
+          </a:p>
+        </p:txBody>
+      </p:sp>
+      <p:sp>
+        <p:nvSpPr>
+          <p:cNvPr id="3" name="Content Placeholder 2">
+            <a:extLst>
+              <a:ext uri="{FF2B5EF4-FFF2-40B4-BE49-F238E27FC236}">
+                <a16:creationId xmlns:a16="http://schemas.microsoft.com/office/drawing/2014/main" id="{F735BE3D-36E5-64AE-C287-C53B8AF0877D}"/>
+              </a:ext>
+            </a:extLst>
+          </p:cNvPr>
+          <p:cNvSpPr>
+            <a:spLocks noGrp="1"/>
+          </p:cNvSpPr>
+          <p:nvPr>
+            <p:ph idx="1"/>
+          </p:nvPr>
+        </p:nvSpPr>
+        <p:spPr/>
+        <p:txBody>
+          <a:bodyPr/>
+          <a:lstStyle/>
+          <a:p>
+            <a:r>
+              <a:rPr lang="hr-HR" dirty="0" err="1"/>
+              <a:t>Frontend</a:t>
+            </a:r>
+            <a:r>
+              <a:rPr lang="hr-HR" dirty="0"/>
+              <a:t>: </a:t>
+            </a:r>
+            <a:r>
+              <a:rPr lang="hr-HR" dirty="0" err="1"/>
+              <a:t>React</a:t>
+            </a:r>
+            <a:endParaRPr lang="hr-HR" dirty="0"/>
+          </a:p>
+          <a:p>
+            <a:r>
+              <a:rPr lang="hr-HR" noProof="0" dirty="0" err="1"/>
+              <a:t>Backend</a:t>
+            </a:r>
+            <a:r>
+              <a:rPr lang="hr-HR" dirty="0"/>
+              <a:t>: </a:t>
+            </a:r>
+            <a:r>
+              <a:rPr lang="hr-HR" dirty="0" err="1"/>
+              <a:t>NetsJs</a:t>
+            </a:r>
+            <a:endParaRPr lang="hr-HR" dirty="0"/>
+          </a:p>
+          <a:p>
+            <a:r>
+              <a:rPr lang="hr-HR" noProof="0" dirty="0"/>
+              <a:t>Baza podataka: </a:t>
+            </a:r>
+            <a:r>
+              <a:rPr lang="hr-HR" noProof="0" dirty="0" err="1"/>
+              <a:t>PostgreSQL</a:t>
+            </a:r>
+            <a:endParaRPr lang="hr-HR" noProof="0" dirty="0"/>
+          </a:p>
+          <a:p>
+            <a:r>
+              <a:rPr lang="hr-HR" dirty="0"/>
+              <a:t>Organizacija projekta: </a:t>
+            </a:r>
+            <a:r>
+              <a:rPr lang="hr-HR" dirty="0" err="1"/>
+              <a:t>GitHub</a:t>
+            </a:r>
+            <a:endParaRPr lang="hr-HR" dirty="0"/>
+          </a:p>
+          <a:p>
+            <a:r>
+              <a:rPr lang="hr-HR" noProof="0" dirty="0"/>
+              <a:t>Dokumentacija: </a:t>
+            </a:r>
+            <a:r>
+              <a:rPr lang="hr-HR" noProof="0" dirty="0" err="1"/>
+              <a:t>GitHub</a:t>
+            </a:r>
+            <a:r>
+              <a:rPr lang="hr-HR" noProof="0" dirty="0"/>
+              <a:t> wiki</a:t>
+            </a:r>
+          </a:p>
+          <a:p>
+            <a:r>
+              <a:rPr lang="hr-HR" dirty="0"/>
+              <a:t>Organizacija zadataka: </a:t>
+            </a:r>
+            <a:r>
+              <a:rPr lang="hr-HR" dirty="0" err="1"/>
+              <a:t>GitHub</a:t>
+            </a:r>
+            <a:r>
+              <a:rPr lang="hr-HR" dirty="0"/>
+              <a:t> </a:t>
+            </a:r>
+            <a:r>
+              <a:rPr lang="hr-HR" dirty="0" err="1"/>
+              <a:t>task</a:t>
+            </a:r>
+            <a:r>
+              <a:rPr lang="hr-HR" dirty="0"/>
+              <a:t> </a:t>
+            </a:r>
+            <a:r>
+              <a:rPr lang="hr-HR" dirty="0" err="1"/>
+              <a:t>board</a:t>
+            </a:r>
+            <a:endParaRPr lang="hr-HR" dirty="0"/>
+          </a:p>
+          <a:p>
+            <a:r>
+              <a:rPr lang="hr-HR" dirty="0"/>
+              <a:t>Izrada dijagrama: </a:t>
+            </a:r>
+            <a:r>
+              <a:rPr lang="hr-HR" dirty="0" err="1"/>
+              <a:t>VisualParadigm</a:t>
+            </a:r>
+            <a:endParaRPr lang="hr-HR" dirty="0"/>
+          </a:p>
+          <a:p>
+            <a:r>
+              <a:rPr lang="hr-HR" dirty="0"/>
+              <a:t>Ostali servisi: </a:t>
+            </a:r>
+            <a:r>
+              <a:rPr lang="hr-HR" dirty="0" err="1"/>
+              <a:t>OAuth</a:t>
+            </a:r>
+            <a:r>
+              <a:rPr lang="hr-HR" dirty="0"/>
+              <a:t> 2.0, </a:t>
+            </a:r>
+            <a:r>
+              <a:rPr lang="hr-HR" dirty="0" err="1"/>
+              <a:t>OpenStreetMap</a:t>
+            </a:r>
+            <a:r>
+              <a:rPr lang="hr-HR" dirty="0"/>
+              <a:t> i </a:t>
+            </a:r>
+            <a:r>
+              <a:rPr lang="hr-HR" dirty="0" err="1"/>
+              <a:t>Firebase</a:t>
+            </a:r>
+            <a:r>
+              <a:rPr lang="hr-HR" dirty="0"/>
+              <a:t> Cloud </a:t>
+            </a:r>
+            <a:r>
+              <a:rPr lang="hr-HR" dirty="0" err="1"/>
+              <a:t>Messaging</a:t>
+            </a:r>
+            <a:endParaRPr lang="hr-HR" dirty="0"/>
+          </a:p>
+          <a:p>
+            <a:endParaRPr lang="hr-HR" dirty="0"/>
+          </a:p>
+          <a:p>
+            <a:endParaRPr lang="hr-HR" noProof="0" dirty="0"/>
+          </a:p>
+        </p:txBody>
+      </p:sp>
+      <p:sp>
+        <p:nvSpPr>
+          <p:cNvPr id="4" name="Slide Number Placeholder 3">
+            <a:extLst>
+              <a:ext uri="{FF2B5EF4-FFF2-40B4-BE49-F238E27FC236}">
+                <a16:creationId xmlns:a16="http://schemas.microsoft.com/office/drawing/2014/main" id="{B56E9045-0C4D-354F-A1A1-4B3CC06A0C90}"/>
+              </a:ext>
+            </a:extLst>
+          </p:cNvPr>
+          <p:cNvSpPr>
+            <a:spLocks noGrp="1"/>
+          </p:cNvSpPr>
+          <p:nvPr>
+            <p:ph type="sldNum" sz="quarter" idx="12"/>
+          </p:nvPr>
+        </p:nvSpPr>
+        <p:spPr/>
+        <p:txBody>
+          <a:bodyPr/>
+          <a:lstStyle/>
+          <a:p>
+            <a:fld id="{FAA41844-C0CA-4144-9D6C-D993F0C0FAB4}" type="slidenum">
+              <a:rPr lang="hr-HR" smtClean="0"/>
+              <a:t>12</a:t>
+            </a:fld>
+            <a:endParaRPr lang="hr-HR" dirty="0"/>
+          </a:p>
+        </p:txBody>
+      </p:sp>
+    </p:spTree>
+    <p:extLst>
+      <p:ext uri="{BB962C8B-B14F-4D97-AF65-F5344CB8AC3E}">
+        <p14:creationId xmlns:p14="http://schemas.microsoft.com/office/powerpoint/2010/main" val="4265503304"/>
+      </p:ext>
+    </p:extLst>
+  </p:cSld>
+  <p:clrMapOvr>
+    <a:masterClrMapping/>
+  </p:clrMapOvr>
+</p:sld>
+</file>
+
+<file path=ppt/slides/slide13.xml><?xml version="1.0" encoding="utf-8"?>
+<p:sld xmlns:a="http://schemas.openxmlformats.org/drawingml/2006/main" xmlns:r="http://schemas.openxmlformats.org/officeDocument/2006/relationships" xmlns:p="http://schemas.openxmlformats.org/presentationml/2006/main">
+  <p:cSld>
+    <p:spTree>
+      <p:nvGrpSpPr>
+        <p:cNvPr id="1" name=""/>
+        <p:cNvGrpSpPr/>
+        <p:nvPr/>
+      </p:nvGrpSpPr>
+      <p:grpSpPr>
+        <a:xfrm>
+          <a:off x="0" y="0"/>
+          <a:ext cx="0" cy="0"/>
+          <a:chOff x="0" y="0"/>
+          <a:chExt cx="0" cy="0"/>
+        </a:xfrm>
+      </p:grpSpPr>
+      <p:sp>
+        <p:nvSpPr>
+          <p:cNvPr id="2" name="Naslov 1">
+            <a:extLst>
+              <a:ext uri="{FF2B5EF4-FFF2-40B4-BE49-F238E27FC236}">
+                <a16:creationId xmlns:a16="http://schemas.microsoft.com/office/drawing/2014/main" id="{1669E500-0B8E-80BE-DD1C-4A40CDE3A7BD}"/>
+              </a:ext>
+            </a:extLst>
+          </p:cNvPr>
+          <p:cNvSpPr>
+            <a:spLocks noGrp="1"/>
+          </p:cNvSpPr>
+          <p:nvPr>
+            <p:ph type="title"/>
+          </p:nvPr>
+        </p:nvSpPr>
+        <p:spPr/>
+        <p:txBody>
+          <a:bodyPr/>
+          <a:lstStyle/>
+          <a:p>
+            <a:r>
+              <a:rPr lang="hr-HR" dirty="0"/>
+              <a:t>Ispitivanje</a:t>
+            </a:r>
+          </a:p>
+        </p:txBody>
+      </p:sp>
+      <p:sp>
+        <p:nvSpPr>
+          <p:cNvPr id="3" name="Rezervirano mjesto sadržaja 2">
+            <a:extLst>
+              <a:ext uri="{FF2B5EF4-FFF2-40B4-BE49-F238E27FC236}">
+                <a16:creationId xmlns:a16="http://schemas.microsoft.com/office/drawing/2014/main" id="{349DD16F-99F8-FBB6-D6CD-E479FAD70B79}"/>
+              </a:ext>
+            </a:extLst>
+          </p:cNvPr>
+          <p:cNvSpPr>
+            <a:spLocks noGrp="1"/>
+          </p:cNvSpPr>
+          <p:nvPr>
+            <p:ph idx="1"/>
+          </p:nvPr>
+        </p:nvSpPr>
+        <p:spPr>
+          <a:xfrm>
+            <a:off x="71999" y="972000"/>
+            <a:ext cx="9000000" cy="5817038"/>
+          </a:xfrm>
+        </p:spPr>
+        <p:txBody>
+          <a:bodyPr>
+            <a:normAutofit/>
+          </a:bodyPr>
+          <a:lstStyle/>
+          <a:p>
+            <a:r>
+              <a:rPr lang="hr-HR" dirty="0"/>
+              <a:t>Ispitivanje komponenti smo napravili u 6 testova koji pokrivaju redovne slučajeve (očekivano ponašanje aplikacije), rubne uvjete (provjera ulaznih podataka na granici valjanosti) i izazivanje pogreške:</a:t>
+            </a:r>
+            <a:br>
+              <a:rPr lang="hr-HR" dirty="0"/>
+            </a:br>
+            <a:r>
+              <a:rPr lang="hr-HR" dirty="0"/>
+              <a:t>pretraga korisnika po e-mailu, registracija već registriranim e-mailom, ažuriranje korisničkih podataka, prijava s nepostojećim korisnikom, ocjenjivanje nepostojećeg restorana te dupla ocjena restorana</a:t>
+            </a:r>
+          </a:p>
+          <a:p>
+            <a:r>
+              <a:rPr lang="hr-HR" dirty="0"/>
+              <a:t>Ispitivanje sustava smo napravili u 4 testa: kreiranje novog korisnika, pregled i odabir favorita prijavljenih korisnika, pregled i filtriranje restorana na mapi i pokušaj kreiranja restorana kao redovni korisnik</a:t>
+            </a:r>
+          </a:p>
+          <a:p>
+            <a:r>
+              <a:rPr lang="hr-HR" dirty="0"/>
+              <a:t>Svi ispiti su prošli uspješno, aplikacija reagira očekivano</a:t>
+            </a:r>
+          </a:p>
+        </p:txBody>
+      </p:sp>
+      <p:sp>
+        <p:nvSpPr>
+          <p:cNvPr id="4" name="Rezervirano mjesto broja slajda 3">
+            <a:extLst>
+              <a:ext uri="{FF2B5EF4-FFF2-40B4-BE49-F238E27FC236}">
+                <a16:creationId xmlns:a16="http://schemas.microsoft.com/office/drawing/2014/main" id="{94A3E172-E115-EAF0-A4C2-8E46E6D11C0D}"/>
+              </a:ext>
+            </a:extLst>
+          </p:cNvPr>
+          <p:cNvSpPr>
+            <a:spLocks noGrp="1"/>
+          </p:cNvSpPr>
+          <p:nvPr>
+            <p:ph type="sldNum" sz="quarter" idx="12"/>
+          </p:nvPr>
+        </p:nvSpPr>
+        <p:spPr/>
+        <p:txBody>
+          <a:bodyPr/>
+          <a:lstStyle/>
+          <a:p>
+            <a:fld id="{FAA41844-C0CA-4144-9D6C-D993F0C0FAB4}" type="slidenum">
+              <a:rPr lang="hr-HR" smtClean="0"/>
+              <a:t>13</a:t>
+            </a:fld>
+            <a:endParaRPr lang="hr-HR"/>
+          </a:p>
+        </p:txBody>
+      </p:sp>
+    </p:spTree>
+    <p:extLst>
+      <p:ext uri="{BB962C8B-B14F-4D97-AF65-F5344CB8AC3E}">
+        <p14:creationId xmlns:p14="http://schemas.microsoft.com/office/powerpoint/2010/main" val="1405767223"/>
+      </p:ext>
+    </p:extLst>
+  </p:cSld>
+  <p:clrMapOvr>
+    <a:masterClrMapping/>
+  </p:clrMapOvr>
+</p:sld>
+</file>
+
+<file path=ppt/slides/slide14.xml><?xml version="1.0" encoding="utf-8"?>
+<p:sld xmlns:a="http://schemas.openxmlformats.org/drawingml/2006/main" xmlns:r="http://schemas.openxmlformats.org/officeDocument/2006/relationships" xmlns:p="http://schemas.openxmlformats.org/presentationml/2006/main">
+  <p:cSld>
+    <p:bg>
+      <p:bgPr>
+        <a:solidFill>
+          <a:schemeClr val="bg1"/>
+        </a:solidFill>
+        <a:effectLst/>
+      </p:bgPr>
+    </p:bg>
+    <p:spTree>
+      <p:nvGrpSpPr>
+        <p:cNvPr id="1" name=""/>
+        <p:cNvGrpSpPr/>
+        <p:nvPr/>
+      </p:nvGrpSpPr>
+      <p:grpSpPr>
+        <a:xfrm>
+          <a:off x="0" y="0"/>
+          <a:ext cx="0" cy="0"/>
+          <a:chOff x="0" y="0"/>
+          <a:chExt cx="0" cy="0"/>
+        </a:xfrm>
+      </p:grpSpPr>
+      <p:sp>
+        <p:nvSpPr>
+          <p:cNvPr id="12" name="Rectangle 11">
+            <a:extLst>
+              <a:ext uri="{FF2B5EF4-FFF2-40B4-BE49-F238E27FC236}">
+                <a16:creationId xmlns:a16="http://schemas.microsoft.com/office/drawing/2014/main" id="{DD651B61-325E-4E73-8445-38B0DE8AAAB6}"/>
+              </a:ext>
+              <a:ext uri="{C183D7F6-B498-43B3-948B-1728B52AA6E4}">
+                <adec:decorative xmlns:adec="http://schemas.microsoft.com/office/drawing/2017/decorative" val="1"/>
+              </a:ext>
+            </a:extLst>
+          </p:cNvPr>
+          <p:cNvSpPr>
+            <a:spLocks noGrp="1" noRot="1" noChangeAspect="1" noMove="1" noResize="1" noEditPoints="1" noAdjustHandles="1" noChangeArrowheads="1" noChangeShapeType="1" noTextEdit="1"/>
+          </p:cNvSpPr>
+          <p:nvPr>
+            <p:extLst>
+              <p:ext uri="{386F3935-93C4-4BCD-93E2-E3B085C9AB24}">
+                <p16:designElem xmlns:p16="http://schemas.microsoft.com/office/powerpoint/2015/main" val="1"/>
+              </p:ext>
+            </p:extLst>
+          </p:nvPr>
+        </p:nvSpPr>
+        <p:spPr>
+          <a:xfrm>
+            <a:off x="334900" y="457200"/>
+            <a:ext cx="2777490" cy="94997"/>
+          </a:xfrm>
+          <a:prstGeom prst="rect">
+            <a:avLst/>
+          </a:prstGeom>
+          <a:solidFill>
+            <a:srgbClr val="465359"/>
+          </a:solidFill>
+          <a:ln>
+            <a:noFill/>
+          </a:ln>
+          <a:effectLst/>
+        </p:spPr>
+        <p:style>
+          <a:lnRef idx="1">
+            <a:schemeClr val="accent1"/>
+          </a:lnRef>
+          <a:fillRef idx="3">
+            <a:schemeClr val="accent1"/>
+          </a:fillRef>
+          <a:effectRef idx="2">
+            <a:schemeClr val="accent1"/>
+          </a:effectRef>
+          <a:fontRef idx="minor">
+            <a:schemeClr val="lt1"/>
+          </a:fontRef>
+        </p:style>
+        <p:txBody>
+          <a:bodyPr/>
+          <a:lstStyle/>
+          <a:p>
+            <a:endParaRPr lang="hr-HR"/>
+          </a:p>
+        </p:txBody>
+      </p:sp>
+      <p:sp>
+        <p:nvSpPr>
+          <p:cNvPr id="14" name="Rectangle 13">
+            <a:extLst>
+              <a:ext uri="{FF2B5EF4-FFF2-40B4-BE49-F238E27FC236}">
+                <a16:creationId xmlns:a16="http://schemas.microsoft.com/office/drawing/2014/main" id="{B42E5253-D3AC-4AC2-B766-8B34F13C2F5E}"/>
+              </a:ext>
+              <a:ext uri="{C183D7F6-B498-43B3-948B-1728B52AA6E4}">
+                <adec:decorative xmlns:adec="http://schemas.microsoft.com/office/drawing/2017/decorative" val="1"/>
+              </a:ext>
+            </a:extLst>
+          </p:cNvPr>
+          <p:cNvSpPr>
+            <a:spLocks noGrp="1" noRot="1" noChangeAspect="1" noMove="1" noResize="1" noEditPoints="1" noAdjustHandles="1" noChangeArrowheads="1" noChangeShapeType="1" noTextEdit="1"/>
+          </p:cNvSpPr>
+          <p:nvPr>
+            <p:extLst>
+              <p:ext uri="{386F3935-93C4-4BCD-93E2-E3B085C9AB24}">
+                <p16:designElem xmlns:p16="http://schemas.microsoft.com/office/powerpoint/2015/main" val="1"/>
+              </p:ext>
+            </p:extLst>
+          </p:nvPr>
+        </p:nvSpPr>
+        <p:spPr>
+          <a:xfrm>
+            <a:off x="6031610" y="453643"/>
+            <a:ext cx="2777490" cy="98554"/>
+          </a:xfrm>
+          <a:prstGeom prst="rect">
+            <a:avLst/>
+          </a:prstGeom>
+          <a:solidFill>
+            <a:srgbClr val="969FA7"/>
+          </a:solidFill>
+          <a:ln>
+            <a:noFill/>
+          </a:ln>
+          <a:effectLst/>
+        </p:spPr>
+        <p:style>
+          <a:lnRef idx="1">
+            <a:schemeClr val="accent1"/>
+          </a:lnRef>
+          <a:fillRef idx="3">
+            <a:schemeClr val="accent1"/>
+          </a:fillRef>
+          <a:effectRef idx="2">
+            <a:schemeClr val="accent1"/>
+          </a:effectRef>
+          <a:fontRef idx="minor">
+            <a:schemeClr val="lt1"/>
+          </a:fontRef>
+        </p:style>
+        <p:txBody>
+          <a:bodyPr/>
+          <a:lstStyle/>
+          <a:p>
+            <a:endParaRPr lang="hr-HR"/>
+          </a:p>
+        </p:txBody>
+      </p:sp>
+      <p:sp>
+        <p:nvSpPr>
+          <p:cNvPr id="16" name="Rectangle 15">
+            <a:extLst>
+              <a:ext uri="{FF2B5EF4-FFF2-40B4-BE49-F238E27FC236}">
+                <a16:creationId xmlns:a16="http://schemas.microsoft.com/office/drawing/2014/main" id="{10AE8D57-436A-4073-9A75-15BB5949F8B4}"/>
+              </a:ext>
+              <a:ext uri="{C183D7F6-B498-43B3-948B-1728B52AA6E4}">
+                <adec:decorative xmlns:adec="http://schemas.microsoft.com/office/drawing/2017/decorative" val="1"/>
+              </a:ext>
+            </a:extLst>
+          </p:cNvPr>
+          <p:cNvSpPr>
+            <a:spLocks noGrp="1" noRot="1" noChangeAspect="1" noMove="1" noResize="1" noEditPoints="1" noAdjustHandles="1" noChangeArrowheads="1" noChangeShapeType="1" noTextEdit="1"/>
+          </p:cNvSpPr>
+          <p:nvPr>
+            <p:extLst>
+              <p:ext uri="{386F3935-93C4-4BCD-93E2-E3B085C9AB24}">
+                <p16:designElem xmlns:p16="http://schemas.microsoft.com/office/powerpoint/2015/main" val="1"/>
+              </p:ext>
+            </p:extLst>
+          </p:nvPr>
+        </p:nvSpPr>
+        <p:spPr>
+          <a:xfrm>
+            <a:off x="3181372" y="457200"/>
+            <a:ext cx="2777490" cy="91440"/>
+          </a:xfrm>
+          <a:prstGeom prst="rect">
+            <a:avLst/>
+          </a:prstGeom>
+          <a:solidFill>
+            <a:schemeClr val="accent1"/>
+          </a:solidFill>
+          <a:ln>
+            <a:noFill/>
+          </a:ln>
+          <a:effectLst/>
+        </p:spPr>
+        <p:style>
+          <a:lnRef idx="1">
+            <a:schemeClr val="accent1"/>
+          </a:lnRef>
+          <a:fillRef idx="3">
+            <a:schemeClr val="accent1"/>
+          </a:fillRef>
+          <a:effectRef idx="2">
+            <a:schemeClr val="accent1"/>
+          </a:effectRef>
+          <a:fontRef idx="minor">
+            <a:schemeClr val="lt1"/>
+          </a:fontRef>
+        </p:style>
+        <p:txBody>
+          <a:bodyPr/>
+          <a:lstStyle/>
+          <a:p>
+            <a:endParaRPr lang="hr-HR"/>
+          </a:p>
+        </p:txBody>
+      </p:sp>
+      <p:sp>
+        <p:nvSpPr>
+          <p:cNvPr id="18" name="Rectangle 17">
+            <a:extLst>
+              <a:ext uri="{FF2B5EF4-FFF2-40B4-BE49-F238E27FC236}">
+                <a16:creationId xmlns:a16="http://schemas.microsoft.com/office/drawing/2014/main" id="{E2852671-8EB6-4EAF-8AF8-65CF3FD66456}"/>
+              </a:ext>
+              <a:ext uri="{C183D7F6-B498-43B3-948B-1728B52AA6E4}">
+                <adec:decorative xmlns:adec="http://schemas.microsoft.com/office/drawing/2017/decorative" val="1"/>
+              </a:ext>
+            </a:extLst>
+          </p:cNvPr>
+          <p:cNvSpPr>
+            <a:spLocks noGrp="1" noRot="1" noChangeAspect="1" noMove="1" noResize="1" noEditPoints="1" noAdjustHandles="1" noChangeArrowheads="1" noChangeShapeType="1" noTextEdit="1"/>
+          </p:cNvSpPr>
+          <p:nvPr>
+            <p:extLst>
+              <p:ext uri="{386F3935-93C4-4BCD-93E2-E3B085C9AB24}">
+                <p16:designElem xmlns:p16="http://schemas.microsoft.com/office/powerpoint/2015/main" val="1"/>
+              </p:ext>
+            </p:extLst>
+          </p:nvPr>
+        </p:nvSpPr>
+        <p:spPr>
+          <a:xfrm>
+            <a:off x="334900" y="3085764"/>
+            <a:ext cx="8474199" cy="3338149"/>
+          </a:xfrm>
+          <a:prstGeom prst="rect">
+            <a:avLst/>
+          </a:prstGeom>
+          <a:solidFill>
+            <a:srgbClr val="465359"/>
+          </a:solidFill>
+          <a:ln>
+            <a:noFill/>
+          </a:ln>
+          <a:effectLst/>
+        </p:spPr>
+        <p:style>
+          <a:lnRef idx="1">
+            <a:schemeClr val="accent1"/>
+          </a:lnRef>
+          <a:fillRef idx="3">
+            <a:schemeClr val="accent1"/>
+          </a:fillRef>
+          <a:effectRef idx="2">
+            <a:schemeClr val="accent1"/>
+          </a:effectRef>
+          <a:fontRef idx="minor">
+            <a:schemeClr val="lt1"/>
+          </a:fontRef>
+        </p:style>
+        <p:txBody>
+          <a:bodyPr/>
+          <a:lstStyle/>
+          <a:p>
+            <a:endParaRPr lang="hr-HR"/>
+          </a:p>
+        </p:txBody>
+      </p:sp>
+      <p:sp useBgFill="1">
+        <p:nvSpPr>
+          <p:cNvPr id="20" name="Rectangle 19">
+            <a:extLst>
+              <a:ext uri="{FF2B5EF4-FFF2-40B4-BE49-F238E27FC236}">
+                <a16:creationId xmlns:a16="http://schemas.microsoft.com/office/drawing/2014/main" id="{26B4480E-B7FF-4481-890E-043A69AE6FE2}"/>
+              </a:ext>
+              <a:ext uri="{C183D7F6-B498-43B3-948B-1728B52AA6E4}">
+                <adec:decorative xmlns:adec="http://schemas.microsoft.com/office/drawing/2017/decorative" val="1"/>
+              </a:ext>
+            </a:extLst>
+          </p:cNvPr>
+          <p:cNvSpPr>
+            <a:spLocks noGrp="1" noRot="1" noChangeAspect="1" noMove="1" noResize="1" noEditPoints="1" noAdjustHandles="1" noChangeArrowheads="1" noChangeShapeType="1" noTextEdit="1"/>
+          </p:cNvSpPr>
+          <p:nvPr>
+            <p:extLst>
+              <p:ext uri="{386F3935-93C4-4BCD-93E2-E3B085C9AB24}">
+                <p16:designElem xmlns:p16="http://schemas.microsoft.com/office/powerpoint/2015/main" val="1"/>
+              </p:ext>
+            </p:extLst>
+          </p:nvPr>
+        </p:nvSpPr>
+        <p:spPr>
+          <a:xfrm>
+            <a:off x="0" y="0"/>
+            <a:ext cx="9144000" cy="6858000"/>
+          </a:xfrm>
+          <a:prstGeom prst="rect">
+            <a:avLst/>
+          </a:prstGeom>
+          <a:ln>
+            <a:noFill/>
+          </a:ln>
+        </p:spPr>
+        <p:style>
+          <a:lnRef idx="2">
+            <a:schemeClr val="accent1">
+              <a:shade val="50000"/>
+            </a:schemeClr>
+          </a:lnRef>
+          <a:fillRef idx="1">
+            <a:schemeClr val="accent1"/>
+          </a:fillRef>
+          <a:effectRef idx="0">
+            <a:schemeClr val="accent1"/>
+          </a:effectRef>
+          <a:fontRef idx="minor">
+            <a:schemeClr val="lt1"/>
+          </a:fontRef>
+        </p:style>
+        <p:txBody>
+          <a:bodyPr rtlCol="0" anchor="ctr"/>
+          <a:lstStyle/>
+          <a:p>
+            <a:pPr algn="ctr"/>
+            <a:endParaRPr lang="en-US"/>
+          </a:p>
+        </p:txBody>
+      </p:sp>
+      <p:grpSp>
+        <p:nvGrpSpPr>
+          <p:cNvPr id="22" name="Group 21">
+            <a:extLst>
+              <a:ext uri="{FF2B5EF4-FFF2-40B4-BE49-F238E27FC236}">
+                <a16:creationId xmlns:a16="http://schemas.microsoft.com/office/drawing/2014/main" id="{79394E1F-0B5F-497D-B2A6-8383A2A54834}"/>
+              </a:ext>
+              <a:ext uri="{C183D7F6-B498-43B3-948B-1728B52AA6E4}">
+                <adec:decorative xmlns:adec="http://schemas.microsoft.com/office/drawing/2017/decorative" val="1"/>
+              </a:ext>
+            </a:extLst>
+          </p:cNvPr>
+          <p:cNvGrpSpPr>
+            <a:grpSpLocks noGrp="1" noUngrp="1" noRot="1" noChangeAspect="1" noMove="1" noResize="1"/>
+          </p:cNvGrpSpPr>
+          <p:nvPr>
+            <p:extLst>
+              <p:ext uri="{386F3935-93C4-4BCD-93E2-E3B085C9AB24}">
+                <p16:designElem xmlns:p16="http://schemas.microsoft.com/office/powerpoint/2015/main" val="1"/>
+              </p:ext>
+            </p:extLst>
+          </p:nvPr>
+        </p:nvGrpSpPr>
+        <p:grpSpPr>
+          <a:xfrm>
+            <a:off x="328551" y="457200"/>
+            <a:ext cx="2777491" cy="5935133"/>
+            <a:chOff x="438068" y="457200"/>
+            <a:chExt cx="3703320" cy="5935133"/>
+          </a:xfrm>
+        </p:grpSpPr>
+        <p:sp>
+          <p:nvSpPr>
+            <p:cNvPr id="23" name="Rectangle 22">
+              <a:extLst>
+                <a:ext uri="{FF2B5EF4-FFF2-40B4-BE49-F238E27FC236}">
+                  <a16:creationId xmlns:a16="http://schemas.microsoft.com/office/drawing/2014/main" id="{1F1FF39A-AC3C-4066-9D4C-519AA22812EA}"/>
+                </a:ext>
+                <a:ext uri="{C183D7F6-B498-43B3-948B-1728B52AA6E4}">
+                  <adec:decorative xmlns:adec="http://schemas.microsoft.com/office/drawing/2017/decorative" val="1"/>
+                </a:ext>
+              </a:extLst>
+            </p:cNvPr>
+            <p:cNvSpPr/>
+            <p:nvPr>
+              <p:extLst>
+                <p:ext uri="{386F3935-93C4-4BCD-93E2-E3B085C9AB24}">
+                  <p16:designElem xmlns:p16="http://schemas.microsoft.com/office/powerpoint/2015/main" val="1"/>
+                </p:ext>
+              </p:extLst>
+            </p:nvPr>
+          </p:nvSpPr>
+          <p:spPr>
+            <a:xfrm>
+              <a:off x="438068" y="601201"/>
+              <a:ext cx="3702134" cy="5791132"/>
+            </a:xfrm>
+            <a:prstGeom prst="rect">
+              <a:avLst/>
+            </a:prstGeom>
+            <a:solidFill>
+              <a:srgbClr val="465359">
+                <a:alpha val="97000"/>
+              </a:srgbClr>
+            </a:solidFill>
+            <a:ln w="6350" cmpd="sng">
+              <a:noFill/>
+            </a:ln>
+            <a:effectLst/>
+          </p:spPr>
+          <p:style>
+            <a:lnRef idx="1">
+              <a:schemeClr val="accent1"/>
+            </a:lnRef>
+            <a:fillRef idx="3">
+              <a:schemeClr val="accent1"/>
+            </a:fillRef>
+            <a:effectRef idx="2">
+              <a:schemeClr val="accent1"/>
+            </a:effectRef>
+            <a:fontRef idx="minor">
+              <a:schemeClr val="lt1"/>
+            </a:fontRef>
+          </p:style>
+          <p:txBody>
+            <a:bodyPr/>
+            <a:lstStyle/>
+            <a:p>
+              <a:endParaRPr lang="hr-HR"/>
+            </a:p>
+          </p:txBody>
+        </p:sp>
+        <p:sp>
+          <p:nvSpPr>
+            <p:cNvPr id="24" name="Rectangle 23">
+              <a:extLst>
+                <a:ext uri="{FF2B5EF4-FFF2-40B4-BE49-F238E27FC236}">
+                  <a16:creationId xmlns:a16="http://schemas.microsoft.com/office/drawing/2014/main" id="{64C13BAB-7C00-4D21-A857-E3D41C0A2A66}"/>
+                </a:ext>
+                <a:ext uri="{C183D7F6-B498-43B3-948B-1728B52AA6E4}">
+                  <adec:decorative xmlns:adec="http://schemas.microsoft.com/office/drawing/2017/decorative" val="1"/>
+                </a:ext>
+              </a:extLst>
+            </p:cNvPr>
+            <p:cNvSpPr/>
+            <p:nvPr>
+              <p:extLst>
+                <p:ext uri="{386F3935-93C4-4BCD-93E2-E3B085C9AB24}">
+                  <p16:designElem xmlns:p16="http://schemas.microsoft.com/office/powerpoint/2015/main" val="1"/>
+                </p:ext>
+              </p:extLst>
+            </p:nvPr>
+          </p:nvSpPr>
+          <p:spPr>
+            <a:xfrm>
+              <a:off x="438068" y="457200"/>
+              <a:ext cx="3703320" cy="94997"/>
+            </a:xfrm>
+            <a:prstGeom prst="rect">
+              <a:avLst/>
+            </a:prstGeom>
+            <a:solidFill>
+              <a:srgbClr val="465359"/>
+            </a:solidFill>
+            <a:ln>
+              <a:noFill/>
+            </a:ln>
+            <a:effectLst/>
+          </p:spPr>
+          <p:style>
+            <a:lnRef idx="1">
+              <a:schemeClr val="accent1"/>
+            </a:lnRef>
+            <a:fillRef idx="3">
+              <a:schemeClr val="accent1"/>
+            </a:fillRef>
+            <a:effectRef idx="2">
+              <a:schemeClr val="accent1"/>
+            </a:effectRef>
+            <a:fontRef idx="minor">
+              <a:schemeClr val="lt1"/>
+            </a:fontRef>
+          </p:style>
+          <p:txBody>
+            <a:bodyPr/>
+            <a:lstStyle/>
+            <a:p>
+              <a:endParaRPr lang="hr-HR"/>
+            </a:p>
+          </p:txBody>
+        </p:sp>
+      </p:grpSp>
+      <p:sp>
+        <p:nvSpPr>
+          <p:cNvPr id="2" name="Naslov 1">
+            <a:extLst>
+              <a:ext uri="{FF2B5EF4-FFF2-40B4-BE49-F238E27FC236}">
+                <a16:creationId xmlns:a16="http://schemas.microsoft.com/office/drawing/2014/main" id="{24E7412B-6A59-4EEA-F374-2140520B370B}"/>
+              </a:ext>
+            </a:extLst>
+          </p:cNvPr>
+          <p:cNvSpPr>
+            <a:spLocks noGrp="1"/>
+          </p:cNvSpPr>
+          <p:nvPr>
+            <p:ph type="title"/>
+          </p:nvPr>
+        </p:nvSpPr>
+        <p:spPr>
+          <a:xfrm>
+            <a:off x="438150" y="1524001"/>
+            <a:ext cx="2559050" cy="3478384"/>
+          </a:xfrm>
+        </p:spPr>
+        <p:txBody>
+          <a:bodyPr vert="horz" lIns="91440" tIns="45720" rIns="91440" bIns="45720" rtlCol="0" anchor="b">
+            <a:normAutofit/>
+          </a:bodyPr>
+          <a:lstStyle/>
+          <a:p>
+            <a:pPr algn="l" defTabSz="457200"/>
+            <a:r>
+              <a:rPr lang="en-US" sz="2300">
+                <a:solidFill>
+                  <a:srgbClr val="FFFFFF"/>
+                </a:solidFill>
+              </a:rPr>
+              <a:t>Demonstracija aplikacije</a:t>
+            </a:r>
+          </a:p>
+        </p:txBody>
+      </p:sp>
+      <p:sp>
+        <p:nvSpPr>
+          <p:cNvPr id="3" name="Rezervirano mjesto broja slajda 2">
+            <a:extLst>
+              <a:ext uri="{FF2B5EF4-FFF2-40B4-BE49-F238E27FC236}">
+                <a16:creationId xmlns:a16="http://schemas.microsoft.com/office/drawing/2014/main" id="{896FA388-A4B2-9832-78F3-D643B9A140C8}"/>
+              </a:ext>
+            </a:extLst>
+          </p:cNvPr>
+          <p:cNvSpPr>
+            <a:spLocks noGrp="1"/>
+          </p:cNvSpPr>
+          <p:nvPr>
+            <p:ph type="sldNum" sz="quarter" idx="12"/>
+          </p:nvPr>
+        </p:nvSpPr>
+        <p:spPr>
+          <a:xfrm>
+            <a:off x="2590799" y="766070"/>
+            <a:ext cx="407005" cy="365125"/>
+          </a:xfrm>
+        </p:spPr>
+        <p:txBody>
+          <a:bodyPr vert="horz" lIns="91440" tIns="45720" rIns="91440" bIns="45720" rtlCol="0" anchor="ctr">
+            <a:normAutofit/>
+          </a:bodyPr>
+          <a:lstStyle/>
+          <a:p>
+            <a:pPr>
+              <a:spcAft>
+                <a:spcPts val="600"/>
+              </a:spcAft>
+            </a:pPr>
+            <a:fld id="{FAA41844-C0CA-4144-9D6C-D993F0C0FAB4}" type="slidenum">
+              <a:rPr lang="en-US" sz="900">
+                <a:solidFill>
+                  <a:srgbClr val="FFFFFF"/>
+                </a:solidFill>
+              </a:rPr>
+              <a:pPr>
+                <a:spcAft>
+                  <a:spcPts val="600"/>
+                </a:spcAft>
+              </a:pPr>
+              <a:t>14</a:t>
+            </a:fld>
+            <a:endParaRPr lang="en-US" sz="900">
+              <a:solidFill>
+                <a:srgbClr val="FFFFFF"/>
+              </a:solidFill>
+            </a:endParaRPr>
+          </a:p>
+        </p:txBody>
+      </p:sp>
+      <p:pic>
+        <p:nvPicPr>
+          <p:cNvPr id="7" name="Slika 6" descr="Slika na kojoj se prikazuje uzorak, kvadrat, simetrija, piksel&#10;&#10;Sadržaj generiran umjetnom inteligencijom može biti netočan.">
+            <a:extLst>
+              <a:ext uri="{FF2B5EF4-FFF2-40B4-BE49-F238E27FC236}">
+                <a16:creationId xmlns:a16="http://schemas.microsoft.com/office/drawing/2014/main" id="{FD997056-F771-0D66-FEDB-C6CC59D99205}"/>
+              </a:ext>
+            </a:extLst>
+          </p:cNvPr>
+          <p:cNvPicPr>
+            <a:picLocks noChangeAspect="1"/>
+          </p:cNvPicPr>
+          <p:nvPr/>
+        </p:nvPicPr>
+        <p:blipFill>
+          <a:blip r:embed="rId2"/>
+          <a:stretch>
+            <a:fillRect/>
+          </a:stretch>
+        </p:blipFill>
+        <p:spPr>
+          <a:xfrm>
+            <a:off x="3573789" y="880321"/>
+            <a:ext cx="5073648" cy="5073648"/>
+          </a:xfrm>
+          <a:prstGeom prst="rect">
+            <a:avLst/>
+          </a:prstGeom>
+        </p:spPr>
+      </p:pic>
+    </p:spTree>
+    <p:extLst>
+      <p:ext uri="{BB962C8B-B14F-4D97-AF65-F5344CB8AC3E}">
+        <p14:creationId xmlns:p14="http://schemas.microsoft.com/office/powerpoint/2010/main" val="730707002"/>
+      </p:ext>
+    </p:extLst>
+  </p:cSld>
+  <p:clrMapOvr>
+    <a:masterClrMapping/>
+  </p:clrMapOvr>
+</p:sld>
+</file>
+
 <file path=ppt/slides/slide2.xml><?xml version="1.0" encoding="utf-8"?>
 <p:sld xmlns:a="http://schemas.openxmlformats.org/drawingml/2006/main" xmlns:r="http://schemas.openxmlformats.org/officeDocument/2006/relationships" xmlns:p="http://schemas.openxmlformats.org/presentationml/2006/main">
   <p:cSld>
@@ -11918,9 +13687,29 @@
           </a:p>
           <a:p>
             <a:r>
+              <a:rPr lang="hr-HR" dirty="0"/>
+              <a:t>Arhitektura sustava</a:t>
+            </a:r>
+            <a:endParaRPr lang="hr-HR" noProof="0" dirty="0"/>
+          </a:p>
+          <a:p>
+            <a:r>
               <a:rPr lang="hr-HR" noProof="0" dirty="0"/>
               <a:t>Korišteni alati i tehnologije</a:t>
             </a:r>
+          </a:p>
+          <a:p>
+            <a:r>
+              <a:rPr lang="hr-HR" dirty="0"/>
+              <a:t>Ispitivanje</a:t>
+            </a:r>
+          </a:p>
+          <a:p>
+            <a:r>
+              <a:rPr lang="hr-HR" noProof="0"/>
+              <a:t>Demonstracija</a:t>
+            </a:r>
+            <a:endParaRPr lang="hr-HR" noProof="0" dirty="0"/>
           </a:p>
         </p:txBody>
       </p:sp>
@@ -13115,13 +14904,7 @@
   <p:cSld>
     <p:spTree>
       <p:nvGrpSpPr>
-        <p:cNvPr id="1" name="">
-          <a:extLst>
-            <a:ext uri="{FF2B5EF4-FFF2-40B4-BE49-F238E27FC236}">
-              <a16:creationId xmlns:a16="http://schemas.microsoft.com/office/drawing/2014/main" id="{B582941A-61E9-E30F-0555-0A47734CAE98}"/>
-            </a:ext>
-          </a:extLst>
-        </p:cNvPr>
+        <p:cNvPr id="1" name=""/>
         <p:cNvGrpSpPr/>
         <p:nvPr/>
       </p:nvGrpSpPr>
@@ -13135,10 +14918,10 @@
       </p:grpSpPr>
       <p:sp>
         <p:nvSpPr>
-          <p:cNvPr id="2" name="Title 1">
+          <p:cNvPr id="2" name="Naslov 1">
             <a:extLst>
               <a:ext uri="{FF2B5EF4-FFF2-40B4-BE49-F238E27FC236}">
-                <a16:creationId xmlns:a16="http://schemas.microsoft.com/office/drawing/2014/main" id="{6AFDEFAD-46A7-BC0F-8306-2A73F658AC8C}"/>
+                <a16:creationId xmlns:a16="http://schemas.microsoft.com/office/drawing/2014/main" id="{351C04C5-6DAE-08E3-A20B-20E629A52DA7}"/>
               </a:ext>
             </a:extLst>
           </p:cNvPr>
@@ -13155,18 +14938,18 @@
           <a:lstStyle/>
           <a:p>
             <a:r>
-              <a:rPr lang="hr-HR" noProof="0" dirty="0"/>
-              <a:t>Korišteni alati i tehnologije</a:t>
-            </a:r>
-          </a:p>
-        </p:txBody>
-      </p:sp>
-      <p:sp>
-        <p:nvSpPr>
-          <p:cNvPr id="3" name="Content Placeholder 2">
+              <a:rPr lang="hr-HR" dirty="0"/>
+              <a:t>Arhitektura sustava</a:t>
+            </a:r>
+          </a:p>
+        </p:txBody>
+      </p:sp>
+      <p:sp>
+        <p:nvSpPr>
+          <p:cNvPr id="3" name="Rezervirano mjesto sadržaja 2">
             <a:extLst>
               <a:ext uri="{FF2B5EF4-FFF2-40B4-BE49-F238E27FC236}">
-                <a16:creationId xmlns:a16="http://schemas.microsoft.com/office/drawing/2014/main" id="{F735BE3D-36E5-64AE-C287-C53B8AF0877D}"/>
+                <a16:creationId xmlns:a16="http://schemas.microsoft.com/office/drawing/2014/main" id="{1509D9E7-B24A-3316-034F-149578B0E278}"/>
               </a:ext>
             </a:extLst>
           </p:cNvPr>
@@ -13177,125 +14960,66 @@
             <p:ph idx="1"/>
           </p:nvPr>
         </p:nvSpPr>
-        <p:spPr/>
-        <p:txBody>
-          <a:bodyPr/>
+        <p:spPr>
+          <a:xfrm>
+            <a:off x="71999" y="972000"/>
+            <a:ext cx="9000000" cy="5383976"/>
+          </a:xfrm>
+        </p:spPr>
+        <p:txBody>
+          <a:bodyPr>
+            <a:normAutofit/>
+          </a:bodyPr>
           <a:lstStyle/>
           <a:p>
             <a:r>
-              <a:rPr lang="hr-HR" dirty="0" err="1"/>
-              <a:t>Frontend</a:t>
-            </a:r>
-            <a:r>
-              <a:rPr lang="hr-HR" dirty="0"/>
-              <a:t>: </a:t>
-            </a:r>
-            <a:r>
-              <a:rPr lang="hr-HR" dirty="0" err="1"/>
-              <a:t>React</a:t>
-            </a:r>
-            <a:endParaRPr lang="hr-HR" dirty="0"/>
-          </a:p>
-          <a:p>
-            <a:r>
-              <a:rPr lang="hr-HR" noProof="0" dirty="0" err="1"/>
-              <a:t>Backend</a:t>
-            </a:r>
-            <a:r>
-              <a:rPr lang="hr-HR" dirty="0"/>
-              <a:t>: </a:t>
-            </a:r>
-            <a:r>
-              <a:rPr lang="hr-HR" dirty="0" err="1"/>
-              <a:t>NetsJs</a:t>
-            </a:r>
-            <a:endParaRPr lang="hr-HR" dirty="0"/>
-          </a:p>
-          <a:p>
-            <a:r>
-              <a:rPr lang="hr-HR" noProof="0" dirty="0"/>
-              <a:t>Baza podataka: </a:t>
-            </a:r>
-            <a:r>
-              <a:rPr lang="hr-HR" noProof="0" dirty="0" err="1"/>
-              <a:t>PostgreSQL</a:t>
-            </a:r>
-            <a:endParaRPr lang="hr-HR" noProof="0" dirty="0"/>
-          </a:p>
-          <a:p>
-            <a:r>
-              <a:rPr lang="hr-HR" dirty="0"/>
-              <a:t>Organizacija projekta: </a:t>
-            </a:r>
-            <a:r>
-              <a:rPr lang="hr-HR" dirty="0" err="1"/>
-              <a:t>GitHub</a:t>
-            </a:r>
-            <a:endParaRPr lang="hr-HR" dirty="0"/>
-          </a:p>
-          <a:p>
-            <a:r>
-              <a:rPr lang="hr-HR" noProof="0" dirty="0"/>
-              <a:t>Dokumentacija: </a:t>
-            </a:r>
-            <a:r>
-              <a:rPr lang="hr-HR" noProof="0" dirty="0" err="1"/>
-              <a:t>GitHub</a:t>
-            </a:r>
-            <a:r>
-              <a:rPr lang="hr-HR" noProof="0" dirty="0"/>
-              <a:t> wiki</a:t>
-            </a:r>
-          </a:p>
-          <a:p>
-            <a:r>
-              <a:rPr lang="hr-HR" dirty="0"/>
-              <a:t>Organizacija zadataka: </a:t>
-            </a:r>
-            <a:r>
-              <a:rPr lang="hr-HR" dirty="0" err="1"/>
-              <a:t>GitHub</a:t>
-            </a:r>
-            <a:r>
-              <a:rPr lang="hr-HR" dirty="0"/>
-              <a:t> </a:t>
-            </a:r>
-            <a:r>
-              <a:rPr lang="hr-HR" dirty="0" err="1"/>
-              <a:t>task</a:t>
-            </a:r>
-            <a:r>
-              <a:rPr lang="hr-HR" dirty="0"/>
-              <a:t> </a:t>
-            </a:r>
-            <a:r>
-              <a:rPr lang="hr-HR" dirty="0" err="1"/>
-              <a:t>board</a:t>
-            </a:r>
-            <a:endParaRPr lang="hr-HR" dirty="0"/>
-          </a:p>
-          <a:p>
-            <a:r>
-              <a:rPr lang="hr-HR" dirty="0"/>
-              <a:t>Izrada dijagrama: </a:t>
-            </a:r>
-            <a:r>
-              <a:rPr lang="hr-HR" dirty="0" err="1"/>
-              <a:t>VisualParadigm</a:t>
-            </a:r>
-            <a:endParaRPr lang="hr-HR" dirty="0"/>
-          </a:p>
-          <a:p>
-            <a:endParaRPr lang="hr-HR" noProof="0" dirty="0"/>
-          </a:p>
-        </p:txBody>
-      </p:sp>
-      <p:sp>
-        <p:nvSpPr>
-          <p:cNvPr id="4" name="Slide Number Placeholder 3">
+              <a:rPr lang="hr-HR" sz="2800" dirty="0"/>
+              <a:t>Naša se aplikacija sastoji od tri podsustava:</a:t>
+            </a:r>
+            <a:br>
+              <a:rPr lang="hr-HR" sz="2800" dirty="0"/>
+            </a:br>
+            <a:r>
+              <a:rPr lang="hr-HR" sz="2800" dirty="0"/>
+              <a:t>1) klijenta (web preglednik): prikaz web stranice i slanje HTML upita poslužitelju i prikazivati odgovor</a:t>
+            </a:r>
+            <a:br>
+              <a:rPr lang="hr-HR" sz="2800" dirty="0"/>
+            </a:br>
+            <a:r>
+              <a:rPr lang="hr-HR" sz="2800" dirty="0"/>
+              <a:t>2) baza podataka: </a:t>
+            </a:r>
+            <a:r>
+              <a:rPr lang="hr-HR" sz="2800" dirty="0" err="1"/>
+              <a:t>PostgreSql</a:t>
+            </a:r>
+            <a:r>
+              <a:rPr lang="hr-HR" sz="2800" dirty="0"/>
+              <a:t> baza gdje su spremljene sve informacije korisnika i restorana</a:t>
+            </a:r>
+            <a:br>
+              <a:rPr lang="hr-HR" sz="2800" dirty="0"/>
+            </a:br>
+            <a:r>
+              <a:rPr lang="hr-HR" sz="2800" dirty="0"/>
+              <a:t>3) poslužitelj: posrednik između klijenta i baze podataka. Služi za obrađivanje korisnikovih zahtjeva i pristupanje podatcima u bazi</a:t>
+            </a:r>
+          </a:p>
+          <a:p>
+            <a:r>
+              <a:rPr lang="hr-HR" sz="2800" dirty="0"/>
+              <a:t>Arhitektura programa je složena po MVC obrascu</a:t>
+            </a:r>
+          </a:p>
+        </p:txBody>
+      </p:sp>
+      <p:sp>
+        <p:nvSpPr>
+          <p:cNvPr id="4" name="Rezervirano mjesto broja slajda 3">
             <a:extLst>
               <a:ext uri="{FF2B5EF4-FFF2-40B4-BE49-F238E27FC236}">
-                <a16:creationId xmlns:a16="http://schemas.microsoft.com/office/drawing/2014/main" id="{B56E9045-0C4D-354F-A1A1-4B3CC06A0C90}"/>
+                <a16:creationId xmlns:a16="http://schemas.microsoft.com/office/drawing/2014/main" id="{3E9E6ACB-AA22-A81D-6CC4-19D8ADBE46C8}"/>
               </a:ext>
             </a:extLst>
           </p:cNvPr>
@@ -13315,14 +15039,14 @@
               <a:rPr lang="hr-HR" smtClean="0"/>
               <a:t>9</a:t>
             </a:fld>
-            <a:endParaRPr lang="hr-HR" dirty="0"/>
+            <a:endParaRPr lang="hr-HR"/>
           </a:p>
         </p:txBody>
       </p:sp>
     </p:spTree>
     <p:extLst>
       <p:ext uri="{BB962C8B-B14F-4D97-AF65-F5344CB8AC3E}">
-        <p14:creationId xmlns:p14="http://schemas.microsoft.com/office/powerpoint/2010/main" val="4265503304"/>
+        <p14:creationId xmlns:p14="http://schemas.microsoft.com/office/powerpoint/2010/main" val="1835674468"/>
       </p:ext>
     </p:extLst>
   </p:cSld>
